--- a/trunk/1-Meus-Artigos/WebMedia11/apresentaçãoEN.pptx
+++ b/trunk/1-Meus-Artigos/WebMedia11/apresentaçãoEN.pptx
@@ -21145,7 +21145,7 @@
           <a:p>
             <a:fld id="{0B368503-99CB-41EB-9D67-4ADA1DCFFC7F}" type="datetimeFigureOut">
               <a:rPr lang="pt-BR" smtClean="0"/>
-              <a:t>27/9/2011</a:t>
+              <a:t>28/09/2011</a:t>
             </a:fld>
             <a:endParaRPr lang="pt-BR" dirty="0"/>
           </a:p>
@@ -23231,7 +23231,7 @@
           <a:p>
             <a:fld id="{EBDDE201-C26D-40BB-A193-6F0035D73FBF}" type="datetime1">
               <a:rPr lang="pt-BR" smtClean="0"/>
-              <a:t>27/9/2011</a:t>
+              <a:t>28/09/2011</a:t>
             </a:fld>
             <a:endParaRPr lang="pt-BR" dirty="0"/>
           </a:p>
@@ -23418,7 +23418,7 @@
           <a:p>
             <a:fld id="{472F4B7F-6C10-4D53-A27B-CC237E91CB34}" type="datetime1">
               <a:rPr lang="pt-BR" smtClean="0"/>
-              <a:t>27/9/2011</a:t>
+              <a:t>28/09/2011</a:t>
             </a:fld>
             <a:endParaRPr lang="pt-BR" dirty="0"/>
           </a:p>
@@ -23791,7 +23791,7 @@
           <a:p>
             <a:fld id="{4E9312FF-E5A5-4E7D-A855-27DC3D260262}" type="datetime1">
               <a:rPr lang="pt-BR" smtClean="0"/>
-              <a:t>27/9/2011</a:t>
+              <a:t>28/09/2011</a:t>
             </a:fld>
             <a:endParaRPr lang="pt-BR" dirty="0"/>
           </a:p>
@@ -24617,7 +24617,7 @@
           <a:p>
             <a:fld id="{54EB7FFA-AEF9-48E2-BD82-6E1E402D109F}" type="datetime1">
               <a:rPr lang="pt-BR" smtClean="0"/>
-              <a:t>27/9/2011</a:t>
+              <a:t>28/09/2011</a:t>
             </a:fld>
             <a:endParaRPr lang="pt-BR" dirty="0"/>
           </a:p>
@@ -24865,7 +24865,7 @@
           <a:p>
             <a:fld id="{357DDFA5-E5F1-43EC-996F-78DBF8B52FC6}" type="datetime1">
               <a:rPr lang="pt-BR" smtClean="0"/>
-              <a:t>27/9/2011</a:t>
+              <a:t>28/09/2011</a:t>
             </a:fld>
             <a:endParaRPr lang="pt-BR" dirty="0"/>
           </a:p>
@@ -25200,7 +25200,7 @@
           <a:p>
             <a:fld id="{61209680-2B12-4AB9-BCBC-6836D7A2D5A2}" type="datetime1">
               <a:rPr lang="pt-BR" smtClean="0"/>
-              <a:t>27/9/2011</a:t>
+              <a:t>28/09/2011</a:t>
             </a:fld>
             <a:endParaRPr lang="pt-BR" dirty="0"/>
           </a:p>
@@ -25302,7 +25302,7 @@
           <a:p>
             <a:fld id="{3F8C3AB0-901B-49F6-92CD-AD15C65D5417}" type="datetime1">
               <a:rPr lang="pt-BR" smtClean="0"/>
-              <a:t>27/9/2011</a:t>
+              <a:t>28/09/2011</a:t>
             </a:fld>
             <a:endParaRPr lang="pt-BR" dirty="0"/>
           </a:p>
@@ -25831,7 +25831,7 @@
           <a:p>
             <a:fld id="{22EC3EF7-9ED9-49E9-9BD3-95C4E33B81A6}" type="datetime1">
               <a:rPr lang="pt-BR" smtClean="0"/>
-              <a:t>27/9/2011</a:t>
+              <a:t>28/09/2011</a:t>
             </a:fld>
             <a:endParaRPr lang="pt-BR" dirty="0"/>
           </a:p>
@@ -26354,7 +26354,7 @@
           <a:p>
             <a:fld id="{9A90EF26-17C7-4334-AF48-68D474289B48}" type="datetime1">
               <a:rPr lang="pt-BR" smtClean="0"/>
-              <a:t>27/9/2011</a:t>
+              <a:t>28/09/2011</a:t>
             </a:fld>
             <a:endParaRPr lang="pt-BR" dirty="0"/>
           </a:p>
@@ -29577,17 +29577,8 @@
             <a:pPr lvl="1"/>
             <a:r>
               <a:rPr lang="en-US" dirty="0" smtClean="0"/>
-              <a:t>Compression </a:t>
+              <a:t>Compression and quality</a:t>
             </a:r>
-            <a:r>
-              <a:rPr lang="en-US" dirty="0" smtClean="0"/>
-              <a:t>and </a:t>
-            </a:r>
-            <a:r>
-              <a:rPr lang="en-US" dirty="0" smtClean="0"/>
-              <a:t>quality</a:t>
-            </a:r>
-            <a:endParaRPr lang="en-US" dirty="0" smtClean="0"/>
           </a:p>
           <a:p>
             <a:pPr lvl="1"/>
@@ -30657,7 +30648,25 @@
           <a:lstStyle/>
           <a:p>
             <a:pPr algn="r"/>
-            <a:endParaRPr lang="pt-BR" sz="1200" dirty="0"/>
+            <a:r>
+              <a:rPr lang="en-US" sz="1200" smtClean="0"/>
+              <a:t>Acknowledgments</a:t>
+            </a:r>
+          </a:p>
+          <a:p>
+            <a:pPr algn="r"/>
+            <a:r>
+              <a:rPr lang="en-US" sz="1200" smtClean="0"/>
+              <a:t>CNPq</a:t>
+            </a:r>
+          </a:p>
+          <a:p>
+            <a:pPr algn="r"/>
+            <a:r>
+              <a:rPr lang="en-US" sz="1200" smtClean="0"/>
+              <a:t>FAPESP</a:t>
+            </a:r>
+            <a:endParaRPr lang="en-US" sz="1200"/>
           </a:p>
         </p:txBody>
       </p:sp>
